--- a/weddingpeach_speech_finish.pptx
+++ b/weddingpeach_speech_finish.pptx
@@ -5,7 +5,7 @@
     <p:sldMasterId id="2147483684" r:id="rId1"/>
   </p:sldMasterIdLst>
   <p:notesMasterIdLst>
-    <p:notesMasterId r:id="rId26"/>
+    <p:notesMasterId r:id="rId25"/>
   </p:notesMasterIdLst>
   <p:sldIdLst>
     <p:sldId id="271" r:id="rId2"/>
@@ -26,12 +26,11 @@
     <p:sldId id="293" r:id="rId17"/>
     <p:sldId id="270" r:id="rId18"/>
     <p:sldId id="294" r:id="rId19"/>
-    <p:sldId id="295" r:id="rId20"/>
-    <p:sldId id="296" r:id="rId21"/>
-    <p:sldId id="288" r:id="rId22"/>
-    <p:sldId id="285" r:id="rId23"/>
-    <p:sldId id="280" r:id="rId24"/>
-    <p:sldId id="281" r:id="rId25"/>
+    <p:sldId id="285" r:id="rId20"/>
+    <p:sldId id="295" r:id="rId21"/>
+    <p:sldId id="296" r:id="rId22"/>
+    <p:sldId id="280" r:id="rId23"/>
+    <p:sldId id="281" r:id="rId24"/>
   </p:sldIdLst>
   <p:sldSz cx="12192000" cy="6858000"/>
   <p:notesSz cx="6858000" cy="9144000"/>
@@ -2387,7 +2386,7 @@
           <a:p>
             <a:fld id="{2E54670E-60F8-824D-8179-25BD42CB42B9}" type="slidenum">
               <a:rPr kumimoji="1" lang="ko-Kore-KR" altLang="en-US" smtClean="0"/>
-              <a:t>22</a:t>
+              <a:t>19</a:t>
             </a:fld>
             <a:endParaRPr kumimoji="1" lang="ko-Kore-KR" altLang="en-US"/>
           </a:p>
@@ -8244,6 +8243,14 @@
 <file path=ppt/slides/slide19.xml><?xml version="1.0" encoding="utf-8"?>
 <p:sld xmlns:a="http://schemas.openxmlformats.org/drawingml/2006/main" xmlns:r="http://schemas.openxmlformats.org/officeDocument/2006/relationships" xmlns:p="http://schemas.openxmlformats.org/presentationml/2006/main">
   <p:cSld>
+    <p:bg>
+      <p:bgPr>
+        <a:solidFill>
+          <a:schemeClr val="bg1"/>
+        </a:solidFill>
+        <a:effectLst/>
+      </p:bgPr>
+    </p:bg>
     <p:spTree>
       <p:nvGrpSpPr>
         <p:cNvPr id="1" name=""/>
@@ -8260,10 +8267,194 @@
       </p:grpSpPr>
       <p:sp>
         <p:nvSpPr>
-          <p:cNvPr id="2" name="직사각형 1">
+          <p:cNvPr id="9" name="Rectangle 6">
             <a:extLst>
               <a:ext uri="{FF2B5EF4-FFF2-40B4-BE49-F238E27FC236}">
-                <a16:creationId xmlns:a16="http://schemas.microsoft.com/office/drawing/2014/main" id="{1C6E2768-933E-AB4D-B6CF-BA2891D8F831}"/>
+                <a16:creationId xmlns:a16="http://schemas.microsoft.com/office/drawing/2014/main" id="{42A4FC2C-047E-45A5-965D-8E1E3BF09BC6}"/>
+              </a:ext>
+              <a:ext uri="{C183D7F6-B498-43B3-948B-1728B52AA6E4}">
+                <adec:decorative xmlns:adec="http://schemas.microsoft.com/office/drawing/2017/decorative" val="1"/>
+              </a:ext>
+            </a:extLst>
+          </p:cNvPr>
+          <p:cNvSpPr>
+            <a:spLocks noGrp="1" noRot="1" noChangeAspect="1" noMove="1" noResize="1" noEditPoints="1" noAdjustHandles="1" noChangeArrowheads="1" noChangeShapeType="1" noTextEdit="1"/>
+          </p:cNvSpPr>
+          <p:nvPr>
+            <p:extLst>
+              <p:ext uri="{386F3935-93C4-4BCD-93E2-E3B085C9AB24}">
+                <p16:designElem xmlns:p16="http://schemas.microsoft.com/office/powerpoint/2015/main" val="1"/>
+              </p:ext>
+            </p:extLst>
+          </p:nvPr>
+        </p:nvSpPr>
+        <p:spPr bwMode="white">
+          <a:xfrm>
+            <a:off x="1524" y="0"/>
+            <a:ext cx="12188952" cy="6858000"/>
+          </a:xfrm>
+          <a:prstGeom prst="rect">
+            <a:avLst/>
+          </a:prstGeom>
+          <a:noFill/>
+          <a:ln>
+            <a:noFill/>
+          </a:ln>
+        </p:spPr>
+        <p:style>
+          <a:lnRef idx="2">
+            <a:schemeClr val="accent1">
+              <a:shade val="50000"/>
+            </a:schemeClr>
+          </a:lnRef>
+          <a:fillRef idx="1">
+            <a:schemeClr val="accent1"/>
+          </a:fillRef>
+          <a:effectRef idx="0">
+            <a:schemeClr val="accent1"/>
+          </a:effectRef>
+          <a:fontRef idx="minor">
+            <a:schemeClr val="lt1"/>
+          </a:fontRef>
+        </p:style>
+        <p:txBody>
+          <a:bodyPr rtlCol="0" anchor="ctr"/>
+          <a:lstStyle>
+            <a:defPPr>
+              <a:defRPr lang="en-US"/>
+            </a:defPPr>
+            <a:lvl1pPr marL="0" algn="l" defTabSz="914400" rtl="0" eaLnBrk="1" latinLnBrk="0" hangingPunct="1">
+              <a:defRPr sz="1800" kern="1200">
+                <a:solidFill>
+                  <a:schemeClr val="lt1"/>
+                </a:solidFill>
+                <a:latin typeface="+mn-lt"/>
+                <a:ea typeface="+mn-ea"/>
+                <a:cs typeface="+mn-cs"/>
+              </a:defRPr>
+            </a:lvl1pPr>
+            <a:lvl2pPr marL="457200" algn="l" defTabSz="914400" rtl="0" eaLnBrk="1" latinLnBrk="0" hangingPunct="1">
+              <a:defRPr sz="1800" kern="1200">
+                <a:solidFill>
+                  <a:schemeClr val="lt1"/>
+                </a:solidFill>
+                <a:latin typeface="+mn-lt"/>
+                <a:ea typeface="+mn-ea"/>
+                <a:cs typeface="+mn-cs"/>
+              </a:defRPr>
+            </a:lvl2pPr>
+            <a:lvl3pPr marL="914400" algn="l" defTabSz="914400" rtl="0" eaLnBrk="1" latinLnBrk="0" hangingPunct="1">
+              <a:defRPr sz="1800" kern="1200">
+                <a:solidFill>
+                  <a:schemeClr val="lt1"/>
+                </a:solidFill>
+                <a:latin typeface="+mn-lt"/>
+                <a:ea typeface="+mn-ea"/>
+                <a:cs typeface="+mn-cs"/>
+              </a:defRPr>
+            </a:lvl3pPr>
+            <a:lvl4pPr marL="1371600" algn="l" defTabSz="914400" rtl="0" eaLnBrk="1" latinLnBrk="0" hangingPunct="1">
+              <a:defRPr sz="1800" kern="1200">
+                <a:solidFill>
+                  <a:schemeClr val="lt1"/>
+                </a:solidFill>
+                <a:latin typeface="+mn-lt"/>
+                <a:ea typeface="+mn-ea"/>
+                <a:cs typeface="+mn-cs"/>
+              </a:defRPr>
+            </a:lvl4pPr>
+            <a:lvl5pPr marL="1828800" algn="l" defTabSz="914400" rtl="0" eaLnBrk="1" latinLnBrk="0" hangingPunct="1">
+              <a:defRPr sz="1800" kern="1200">
+                <a:solidFill>
+                  <a:schemeClr val="lt1"/>
+                </a:solidFill>
+                <a:latin typeface="+mn-lt"/>
+                <a:ea typeface="+mn-ea"/>
+                <a:cs typeface="+mn-cs"/>
+              </a:defRPr>
+            </a:lvl5pPr>
+            <a:lvl6pPr marL="2286000" algn="l" defTabSz="914400" rtl="0" eaLnBrk="1" latinLnBrk="0" hangingPunct="1">
+              <a:defRPr sz="1800" kern="1200">
+                <a:solidFill>
+                  <a:schemeClr val="lt1"/>
+                </a:solidFill>
+                <a:latin typeface="+mn-lt"/>
+                <a:ea typeface="+mn-ea"/>
+                <a:cs typeface="+mn-cs"/>
+              </a:defRPr>
+            </a:lvl6pPr>
+            <a:lvl7pPr marL="2743200" algn="l" defTabSz="914400" rtl="0" eaLnBrk="1" latinLnBrk="0" hangingPunct="1">
+              <a:defRPr sz="1800" kern="1200">
+                <a:solidFill>
+                  <a:schemeClr val="lt1"/>
+                </a:solidFill>
+                <a:latin typeface="+mn-lt"/>
+                <a:ea typeface="+mn-ea"/>
+                <a:cs typeface="+mn-cs"/>
+              </a:defRPr>
+            </a:lvl7pPr>
+            <a:lvl8pPr marL="3200400" algn="l" defTabSz="914400" rtl="0" eaLnBrk="1" latinLnBrk="0" hangingPunct="1">
+              <a:defRPr sz="1800" kern="1200">
+                <a:solidFill>
+                  <a:schemeClr val="lt1"/>
+                </a:solidFill>
+                <a:latin typeface="+mn-lt"/>
+                <a:ea typeface="+mn-ea"/>
+                <a:cs typeface="+mn-cs"/>
+              </a:defRPr>
+            </a:lvl8pPr>
+            <a:lvl9pPr marL="3657600" algn="l" defTabSz="914400" rtl="0" eaLnBrk="1" latinLnBrk="0" hangingPunct="1">
+              <a:defRPr sz="1800" kern="1200">
+                <a:solidFill>
+                  <a:schemeClr val="lt1"/>
+                </a:solidFill>
+                <a:latin typeface="+mn-lt"/>
+                <a:ea typeface="+mn-ea"/>
+                <a:cs typeface="+mn-cs"/>
+              </a:defRPr>
+            </a:lvl9pPr>
+          </a:lstStyle>
+          <a:p>
+            <a:pPr algn="ctr"/>
+            <a:endParaRPr lang="en-US"/>
+          </a:p>
+        </p:txBody>
+      </p:sp>
+      <p:pic>
+        <p:nvPicPr>
+          <p:cNvPr id="2" name="그림 2">
+            <a:extLst>
+              <a:ext uri="{FF2B5EF4-FFF2-40B4-BE49-F238E27FC236}">
+                <a16:creationId xmlns:a16="http://schemas.microsoft.com/office/drawing/2014/main" id="{E4160D38-51E8-4737-AA1E-1695E71E0F30}"/>
+              </a:ext>
+            </a:extLst>
+          </p:cNvPr>
+          <p:cNvPicPr>
+            <a:picLocks noChangeAspect="1"/>
+          </p:cNvPicPr>
+          <p:nvPr/>
+        </p:nvPicPr>
+        <p:blipFill rotWithShape="1">
+          <a:blip r:embed="rId3"/>
+          <a:srcRect t="26948" r="1" b="29326"/>
+          <a:stretch/>
+        </p:blipFill>
+        <p:spPr>
+          <a:xfrm>
+            <a:off x="20" y="1282"/>
+            <a:ext cx="12191980" cy="6856718"/>
+          </a:xfrm>
+          <a:prstGeom prst="rect">
+            <a:avLst/>
+          </a:prstGeom>
+        </p:spPr>
+      </p:pic>
+      <p:sp>
+        <p:nvSpPr>
+          <p:cNvPr id="4" name="직사각형 3">
+            <a:extLst>
+              <a:ext uri="{FF2B5EF4-FFF2-40B4-BE49-F238E27FC236}">
+                <a16:creationId xmlns:a16="http://schemas.microsoft.com/office/drawing/2014/main" id="{C464EA55-A493-934E-91B7-B0676CBD9C6F}"/>
               </a:ext>
             </a:extLst>
           </p:cNvPr>
@@ -8272,598 +8463,85 @@
         </p:nvSpPr>
         <p:spPr>
           <a:xfrm>
-            <a:off x="320565" y="321729"/>
-            <a:ext cx="11550869" cy="1077218"/>
+            <a:off x="0" y="-123789"/>
+            <a:ext cx="12455611" cy="7513130"/>
+          </a:xfrm>
+          <a:prstGeom prst="rect">
+            <a:avLst/>
+          </a:prstGeom>
+          <a:solidFill>
+            <a:schemeClr val="tx1">
+              <a:alpha val="39036"/>
+            </a:schemeClr>
+          </a:solidFill>
+        </p:spPr>
+        <p:style>
+          <a:lnRef idx="2">
+            <a:schemeClr val="accent1">
+              <a:shade val="50000"/>
+            </a:schemeClr>
+          </a:lnRef>
+          <a:fillRef idx="1">
+            <a:schemeClr val="accent1"/>
+          </a:fillRef>
+          <a:effectRef idx="0">
+            <a:schemeClr val="accent1"/>
+          </a:effectRef>
+          <a:fontRef idx="minor">
+            <a:schemeClr val="lt1"/>
+          </a:fontRef>
+        </p:style>
+        <p:txBody>
+          <a:bodyPr rtlCol="0" anchor="ctr"/>
+          <a:lstStyle/>
+          <a:p>
+            <a:pPr algn="ctr"/>
+            <a:endParaRPr kumimoji="1" lang="ko-Kore-KR" altLang="en-US"/>
+          </a:p>
+        </p:txBody>
+      </p:sp>
+      <p:sp>
+        <p:nvSpPr>
+          <p:cNvPr id="5" name="TextBox 4">
+            <a:extLst>
+              <a:ext uri="{FF2B5EF4-FFF2-40B4-BE49-F238E27FC236}">
+                <a16:creationId xmlns:a16="http://schemas.microsoft.com/office/drawing/2014/main" id="{57F46D8D-494E-4544-ABDF-5DD0F9BFBE95}"/>
+              </a:ext>
+            </a:extLst>
+          </p:cNvPr>
+          <p:cNvSpPr txBox="1"/>
+          <p:nvPr/>
+        </p:nvSpPr>
+        <p:spPr>
+          <a:xfrm>
+            <a:off x="3755401" y="2804380"/>
+            <a:ext cx="9565028" cy="1249240"/>
           </a:xfrm>
           <a:prstGeom prst="rect">
             <a:avLst/>
           </a:prstGeom>
         </p:spPr>
         <p:txBody>
-          <a:bodyPr wrap="square">
-            <a:spAutoFit/>
+          <a:bodyPr rot="0" spcFirstLastPara="0" vertOverflow="overflow" horzOverflow="overflow" vert="horz" lIns="91440" tIns="45720" rIns="91440" bIns="45720" numCol="1" spcCol="0" rtlCol="0" fromWordArt="0" anchor="t" anchorCtr="0" forceAA="0" compatLnSpc="1">
+            <a:prstTxWarp prst="textNoShape">
+              <a:avLst/>
+            </a:prstTxWarp>
+            <a:normAutofit fontScale="92500" lnSpcReduction="10000"/>
           </a:bodyPr>
           <a:lstStyle/>
           <a:p>
             <a:r>
-              <a:rPr lang="en-US" altLang="ko-KR" sz="3200" b="1" dirty="0"/>
-              <a:t>3.</a:t>
-            </a:r>
-            <a:r>
-              <a:rPr lang="ko-KR" altLang="en-US" sz="3200" b="1" dirty="0"/>
-              <a:t> 결론</a:t>
-            </a:r>
-          </a:p>
-          <a:p>
-            <a:pPr lvl="1"/>
-            <a:r>
-              <a:rPr lang="en-US" altLang="ko-KR" sz="3200" b="1" dirty="0"/>
-              <a:t>3-1. </a:t>
-            </a:r>
-            <a:r>
-              <a:rPr lang="ko-KR" altLang="en-US" sz="3200" b="1" dirty="0" err="1"/>
-              <a:t>넷플릭스의</a:t>
-            </a:r>
-            <a:r>
-              <a:rPr lang="ko-KR" altLang="en-US" sz="3200" b="1" dirty="0"/>
-              <a:t> 전략</a:t>
-            </a:r>
-          </a:p>
-        </p:txBody>
-      </p:sp>
-      <p:sp>
-        <p:nvSpPr>
-          <p:cNvPr id="3" name="직사각형 2">
-            <a:extLst>
-              <a:ext uri="{FF2B5EF4-FFF2-40B4-BE49-F238E27FC236}">
-                <a16:creationId xmlns:a16="http://schemas.microsoft.com/office/drawing/2014/main" id="{8789D8E2-F7DF-4749-AC61-46DC9374AED0}"/>
-              </a:ext>
-            </a:extLst>
-          </p:cNvPr>
-          <p:cNvSpPr/>
-          <p:nvPr/>
-        </p:nvSpPr>
-        <p:spPr>
-          <a:xfrm>
-            <a:off x="834227" y="1929861"/>
-            <a:ext cx="11037207" cy="3693319"/>
-          </a:xfrm>
-          <a:prstGeom prst="rect">
-            <a:avLst/>
-          </a:prstGeom>
-        </p:spPr>
-        <p:txBody>
-          <a:bodyPr wrap="square">
-            <a:spAutoFit/>
-          </a:bodyPr>
-          <a:lstStyle/>
-          <a:p>
-            <a:pPr>
-              <a:buFont typeface="+mj-lt"/>
-              <a:buAutoNum type="arabicPeriod"/>
-            </a:pPr>
-            <a:r>
-              <a:rPr lang="ko-KR" altLang="en-US" dirty="0" err="1">
-                <a:solidFill>
-                  <a:srgbClr val="000000"/>
-                </a:solidFill>
-                <a:latin typeface="Helvetica Neue" panose="02000503000000020004" pitchFamily="2" charset="0"/>
-              </a:rPr>
-              <a:t>넷플릭스의</a:t>
-            </a:r>
-            <a:r>
-              <a:rPr lang="ko-KR" altLang="en-US" dirty="0">
-                <a:solidFill>
-                  <a:srgbClr val="000000"/>
-                </a:solidFill>
-                <a:latin typeface="Helvetica Neue" panose="02000503000000020004" pitchFamily="2" charset="0"/>
-              </a:rPr>
-              <a:t> 주요 고객은 </a:t>
-            </a:r>
-            <a:r>
-              <a:rPr lang="ko-KR" altLang="en-US" b="1" dirty="0">
-                <a:solidFill>
-                  <a:srgbClr val="000000"/>
-                </a:solidFill>
-                <a:latin typeface="Helvetica Neue" panose="02000503000000020004" pitchFamily="2" charset="0"/>
-              </a:rPr>
-              <a:t>성인</a:t>
-            </a:r>
-            <a:r>
-              <a:rPr lang="ko-KR" altLang="en-US" dirty="0">
-                <a:solidFill>
-                  <a:srgbClr val="000000"/>
-                </a:solidFill>
-                <a:latin typeface="Helvetica Neue" panose="02000503000000020004" pitchFamily="2" charset="0"/>
-              </a:rPr>
-              <a:t>이다</a:t>
-            </a:r>
-            <a:r>
-              <a:rPr lang="en-US" altLang="ko-KR" dirty="0">
-                <a:solidFill>
-                  <a:srgbClr val="000000"/>
-                </a:solidFill>
-                <a:latin typeface="Helvetica Neue" panose="02000503000000020004" pitchFamily="2" charset="0"/>
-              </a:rPr>
-              <a:t>.</a:t>
-            </a:r>
-            <a:br>
-              <a:rPr lang="en-US" altLang="ko-KR" dirty="0">
-                <a:solidFill>
-                  <a:srgbClr val="000000"/>
-                </a:solidFill>
-                <a:latin typeface="Helvetica Neue" panose="02000503000000020004" pitchFamily="2" charset="0"/>
-              </a:rPr>
-            </a:br>
-            <a:endParaRPr lang="en-US" altLang="ko-KR" dirty="0">
+              <a:rPr lang="en-US" altLang="ko-Kore-KR" sz="8800" b="1" dirty="0">
+                <a:solidFill>
+                  <a:schemeClr val="bg1"/>
+                </a:solidFill>
+              </a:rPr>
+              <a:t>Conclusion</a:t>
+            </a:r>
+            <a:endParaRPr lang="ko-KR" altLang="en-US" sz="8800" b="1" dirty="0">
               <a:solidFill>
-                <a:srgbClr val="000000"/>
+                <a:schemeClr val="bg1"/>
               </a:solidFill>
-              <a:latin typeface="Helvetica Neue" panose="02000503000000020004" pitchFamily="2" charset="0"/>
-            </a:endParaRPr>
-          </a:p>
-          <a:p>
-            <a:pPr>
-              <a:buFont typeface="+mj-lt"/>
-              <a:buAutoNum type="arabicPeriod"/>
-            </a:pPr>
-            <a:r>
-              <a:rPr lang="ko-KR" altLang="en-US" dirty="0">
-                <a:solidFill>
-                  <a:srgbClr val="000000"/>
-                </a:solidFill>
-                <a:latin typeface="Helvetica Neue" panose="02000503000000020004" pitchFamily="2" charset="0"/>
-              </a:rPr>
-              <a:t>장르는 </a:t>
-            </a:r>
-            <a:r>
-              <a:rPr lang="en-US" altLang="ko-Kore-KR" dirty="0">
-                <a:solidFill>
-                  <a:srgbClr val="000000"/>
-                </a:solidFill>
-                <a:latin typeface="Helvetica Neue" panose="02000503000000020004" pitchFamily="2" charset="0"/>
-              </a:rPr>
-              <a:t>International Movies, Dramas, Comedies</a:t>
-            </a:r>
-            <a:r>
-              <a:rPr lang="ko-KR" altLang="en-US" dirty="0">
-                <a:solidFill>
-                  <a:srgbClr val="000000"/>
-                </a:solidFill>
-                <a:latin typeface="Helvetica Neue" panose="02000503000000020004" pitchFamily="2" charset="0"/>
-              </a:rPr>
-              <a:t>가 많아 </a:t>
-            </a:r>
-            <a:r>
-              <a:rPr lang="ko-KR" altLang="en-US" b="1" dirty="0">
-                <a:solidFill>
-                  <a:srgbClr val="000000"/>
-                </a:solidFill>
-                <a:latin typeface="Helvetica Neue" panose="02000503000000020004" pitchFamily="2" charset="0"/>
-              </a:rPr>
-              <a:t>재미를 위한 장르</a:t>
-            </a:r>
-            <a:r>
-              <a:rPr lang="ko-KR" altLang="en-US" dirty="0">
-                <a:solidFill>
-                  <a:srgbClr val="000000"/>
-                </a:solidFill>
-                <a:latin typeface="Helvetica Neue" panose="02000503000000020004" pitchFamily="2" charset="0"/>
-              </a:rPr>
-              <a:t>를 주로 수급 및 제작하고 있다</a:t>
-            </a:r>
-            <a:r>
-              <a:rPr lang="en-US" altLang="ko-KR" dirty="0">
-                <a:solidFill>
-                  <a:srgbClr val="000000"/>
-                </a:solidFill>
-                <a:latin typeface="Helvetica Neue" panose="02000503000000020004" pitchFamily="2" charset="0"/>
-              </a:rPr>
-              <a:t>.</a:t>
-            </a:r>
-            <a:br>
-              <a:rPr lang="en-US" altLang="ko-KR" dirty="0">
-                <a:solidFill>
-                  <a:srgbClr val="000000"/>
-                </a:solidFill>
-                <a:latin typeface="Helvetica Neue" panose="02000503000000020004" pitchFamily="2" charset="0"/>
-              </a:rPr>
-            </a:br>
-            <a:endParaRPr lang="en-US" altLang="ko-KR" dirty="0">
-              <a:solidFill>
-                <a:srgbClr val="000000"/>
-              </a:solidFill>
-              <a:latin typeface="Helvetica Neue" panose="02000503000000020004" pitchFamily="2" charset="0"/>
-            </a:endParaRPr>
-          </a:p>
-          <a:p>
-            <a:pPr>
-              <a:buFont typeface="+mj-lt"/>
-              <a:buAutoNum type="arabicPeriod"/>
-            </a:pPr>
-            <a:r>
-              <a:rPr lang="ko-KR" altLang="en-US" dirty="0" err="1">
-                <a:solidFill>
-                  <a:srgbClr val="000000"/>
-                </a:solidFill>
-                <a:latin typeface="Helvetica Neue" panose="02000503000000020004" pitchFamily="2" charset="0"/>
-              </a:rPr>
-              <a:t>넷플릭스는</a:t>
-            </a:r>
-            <a:r>
-              <a:rPr lang="ko-KR" altLang="en-US" dirty="0">
-                <a:solidFill>
-                  <a:srgbClr val="000000"/>
-                </a:solidFill>
-                <a:latin typeface="Helvetica Neue" panose="02000503000000020004" pitchFamily="2" charset="0"/>
-              </a:rPr>
-              <a:t> </a:t>
-            </a:r>
-            <a:r>
-              <a:rPr lang="ko-KR" altLang="en-US" b="1" dirty="0">
-                <a:solidFill>
-                  <a:srgbClr val="000000"/>
-                </a:solidFill>
-                <a:latin typeface="Helvetica Neue" panose="02000503000000020004" pitchFamily="2" charset="0"/>
-              </a:rPr>
-              <a:t>오리지널이 아닌 콘텐츠</a:t>
-            </a:r>
-            <a:r>
-              <a:rPr lang="ko-KR" altLang="en-US" dirty="0">
-                <a:solidFill>
-                  <a:srgbClr val="000000"/>
-                </a:solidFill>
-                <a:latin typeface="Helvetica Neue" panose="02000503000000020004" pitchFamily="2" charset="0"/>
-              </a:rPr>
-              <a:t> 수급에 더 중점을 두고 있음을 알 수 있다</a:t>
-            </a:r>
-            <a:r>
-              <a:rPr lang="en-US" altLang="ko-KR" dirty="0">
-                <a:solidFill>
-                  <a:srgbClr val="000000"/>
-                </a:solidFill>
-                <a:latin typeface="Helvetica Neue" panose="02000503000000020004" pitchFamily="2" charset="0"/>
-              </a:rPr>
-              <a:t>.</a:t>
-            </a:r>
-            <a:br>
-              <a:rPr lang="en-US" altLang="ko-KR" dirty="0">
-                <a:solidFill>
-                  <a:srgbClr val="000000"/>
-                </a:solidFill>
-                <a:latin typeface="Helvetica Neue" panose="02000503000000020004" pitchFamily="2" charset="0"/>
-              </a:rPr>
-            </a:br>
-            <a:endParaRPr lang="en-US" altLang="ko-KR" dirty="0">
-              <a:solidFill>
-                <a:srgbClr val="000000"/>
-              </a:solidFill>
-              <a:latin typeface="Helvetica Neue" panose="02000503000000020004" pitchFamily="2" charset="0"/>
-            </a:endParaRPr>
-          </a:p>
-          <a:p>
-            <a:pPr>
-              <a:buFont typeface="+mj-lt"/>
-              <a:buAutoNum type="arabicPeriod"/>
-            </a:pPr>
-            <a:r>
-              <a:rPr lang="ko-KR" altLang="en-US" dirty="0" err="1">
-                <a:solidFill>
-                  <a:srgbClr val="000000"/>
-                </a:solidFill>
-                <a:latin typeface="Helvetica Neue" panose="02000503000000020004" pitchFamily="2" charset="0"/>
-              </a:rPr>
-              <a:t>넷플릭스</a:t>
-            </a:r>
-            <a:r>
-              <a:rPr lang="ko-KR" altLang="en-US" dirty="0">
-                <a:solidFill>
-                  <a:srgbClr val="000000"/>
-                </a:solidFill>
-                <a:latin typeface="Helvetica Neue" panose="02000503000000020004" pitchFamily="2" charset="0"/>
-              </a:rPr>
-              <a:t> 오리지널은 주로 </a:t>
-            </a:r>
-            <a:r>
-              <a:rPr lang="ko-KR" altLang="en-US" b="1" dirty="0">
-                <a:solidFill>
-                  <a:srgbClr val="000000"/>
-                </a:solidFill>
-                <a:latin typeface="Helvetica Neue" panose="02000503000000020004" pitchFamily="2" charset="0"/>
-              </a:rPr>
-              <a:t>미국 및 캐나다</a:t>
-            </a:r>
-            <a:r>
-              <a:rPr lang="ko-KR" altLang="en-US" dirty="0">
-                <a:solidFill>
-                  <a:srgbClr val="000000"/>
-                </a:solidFill>
-                <a:latin typeface="Helvetica Neue" panose="02000503000000020004" pitchFamily="2" charset="0"/>
-              </a:rPr>
-              <a:t>가 제작하고 있다</a:t>
-            </a:r>
-            <a:r>
-              <a:rPr lang="en-US" altLang="ko-KR" dirty="0">
-                <a:solidFill>
-                  <a:srgbClr val="000000"/>
-                </a:solidFill>
-                <a:latin typeface="Helvetica Neue" panose="02000503000000020004" pitchFamily="2" charset="0"/>
-              </a:rPr>
-              <a:t>.</a:t>
-            </a:r>
-            <a:br>
-              <a:rPr lang="en-US" altLang="ko-KR" dirty="0">
-                <a:solidFill>
-                  <a:srgbClr val="000000"/>
-                </a:solidFill>
-                <a:latin typeface="Helvetica Neue" panose="02000503000000020004" pitchFamily="2" charset="0"/>
-              </a:rPr>
-            </a:br>
-            <a:endParaRPr lang="en-US" altLang="ko-KR" dirty="0">
-              <a:solidFill>
-                <a:srgbClr val="000000"/>
-              </a:solidFill>
-              <a:latin typeface="Helvetica Neue" panose="02000503000000020004" pitchFamily="2" charset="0"/>
-            </a:endParaRPr>
-          </a:p>
-          <a:p>
-            <a:pPr>
-              <a:buFont typeface="+mj-lt"/>
-              <a:buAutoNum type="arabicPeriod"/>
-            </a:pPr>
-            <a:r>
-              <a:rPr lang="ko-KR" altLang="en-US" dirty="0" err="1">
-                <a:solidFill>
-                  <a:srgbClr val="000000"/>
-                </a:solidFill>
-                <a:latin typeface="Helvetica Neue" panose="02000503000000020004" pitchFamily="2" charset="0"/>
-              </a:rPr>
-              <a:t>넷플릭스의</a:t>
-            </a:r>
-            <a:r>
-              <a:rPr lang="ko-KR" altLang="en-US" dirty="0">
-                <a:solidFill>
-                  <a:srgbClr val="000000"/>
-                </a:solidFill>
-                <a:latin typeface="Helvetica Neue" panose="02000503000000020004" pitchFamily="2" charset="0"/>
-              </a:rPr>
-              <a:t> </a:t>
-            </a:r>
-            <a:r>
-              <a:rPr lang="ko-KR" altLang="en-US" b="1" dirty="0">
-                <a:solidFill>
-                  <a:srgbClr val="000000"/>
-                </a:solidFill>
-                <a:latin typeface="Helvetica Neue" panose="02000503000000020004" pitchFamily="2" charset="0"/>
-              </a:rPr>
-              <a:t>구독자 수와 수익은 양의 상관관계</a:t>
-            </a:r>
-            <a:r>
-              <a:rPr lang="ko-KR" altLang="en-US" dirty="0">
-                <a:solidFill>
-                  <a:srgbClr val="000000"/>
-                </a:solidFill>
-                <a:latin typeface="Helvetica Neue" panose="02000503000000020004" pitchFamily="2" charset="0"/>
-              </a:rPr>
-              <a:t>를 갖고 있다</a:t>
-            </a:r>
-            <a:r>
-              <a:rPr lang="en-US" altLang="ko-KR" dirty="0">
-                <a:solidFill>
-                  <a:srgbClr val="000000"/>
-                </a:solidFill>
-                <a:latin typeface="Helvetica Neue" panose="02000503000000020004" pitchFamily="2" charset="0"/>
-              </a:rPr>
-              <a:t>.</a:t>
-            </a:r>
-            <a:br>
-              <a:rPr lang="en-US" altLang="ko-KR" dirty="0">
-                <a:solidFill>
-                  <a:srgbClr val="000000"/>
-                </a:solidFill>
-                <a:latin typeface="Helvetica Neue" panose="02000503000000020004" pitchFamily="2" charset="0"/>
-              </a:rPr>
-            </a:br>
-            <a:endParaRPr lang="en-US" altLang="ko-KR" dirty="0">
-              <a:solidFill>
-                <a:srgbClr val="000000"/>
-              </a:solidFill>
-              <a:latin typeface="Helvetica Neue" panose="02000503000000020004" pitchFamily="2" charset="0"/>
-            </a:endParaRPr>
-          </a:p>
-          <a:p>
-            <a:pPr>
-              <a:buFont typeface="+mj-lt"/>
-              <a:buAutoNum type="arabicPeriod"/>
-            </a:pPr>
-            <a:r>
-              <a:rPr lang="ko-KR" altLang="en-US" dirty="0" err="1">
-                <a:solidFill>
-                  <a:srgbClr val="000000"/>
-                </a:solidFill>
-                <a:latin typeface="Helvetica Neue" panose="02000503000000020004" pitchFamily="2" charset="0"/>
-              </a:rPr>
-              <a:t>넷플릭스는</a:t>
-            </a:r>
-            <a:r>
-              <a:rPr lang="ko-KR" altLang="en-US" dirty="0">
-                <a:solidFill>
-                  <a:srgbClr val="000000"/>
-                </a:solidFill>
-                <a:latin typeface="Helvetica Neue" panose="02000503000000020004" pitchFamily="2" charset="0"/>
-              </a:rPr>
-              <a:t> </a:t>
-            </a:r>
-            <a:r>
-              <a:rPr lang="ko-KR" altLang="en-US" b="1" dirty="0">
-                <a:solidFill>
-                  <a:srgbClr val="000000"/>
-                </a:solidFill>
-                <a:latin typeface="Helvetica Neue" panose="02000503000000020004" pitchFamily="2" charset="0"/>
-              </a:rPr>
-              <a:t>미국</a:t>
-            </a:r>
-            <a:r>
-              <a:rPr lang="en-US" altLang="ko-KR" b="1" dirty="0">
-                <a:solidFill>
-                  <a:srgbClr val="000000"/>
-                </a:solidFill>
-                <a:latin typeface="Helvetica Neue" panose="02000503000000020004" pitchFamily="2" charset="0"/>
-              </a:rPr>
-              <a:t>/</a:t>
-            </a:r>
-            <a:r>
-              <a:rPr lang="ko-KR" altLang="en-US" b="1" dirty="0">
-                <a:solidFill>
-                  <a:srgbClr val="000000"/>
-                </a:solidFill>
-                <a:latin typeface="Helvetica Neue" panose="02000503000000020004" pitchFamily="2" charset="0"/>
-              </a:rPr>
-              <a:t>캐나다</a:t>
-            </a:r>
-            <a:r>
-              <a:rPr lang="en-US" altLang="ko-KR" b="1" dirty="0">
-                <a:solidFill>
-                  <a:srgbClr val="000000"/>
-                </a:solidFill>
-                <a:latin typeface="Helvetica Neue" panose="02000503000000020004" pitchFamily="2" charset="0"/>
-              </a:rPr>
-              <a:t>, </a:t>
-            </a:r>
-            <a:r>
-              <a:rPr lang="ko-KR" altLang="en-US" b="1" dirty="0">
-                <a:solidFill>
-                  <a:srgbClr val="000000"/>
-                </a:solidFill>
-                <a:latin typeface="Helvetica Neue" panose="02000503000000020004" pitchFamily="2" charset="0"/>
-              </a:rPr>
-              <a:t>유럽</a:t>
-            </a:r>
-            <a:r>
-              <a:rPr lang="en-US" altLang="ko-KR" b="1" dirty="0">
-                <a:solidFill>
-                  <a:srgbClr val="000000"/>
-                </a:solidFill>
-                <a:latin typeface="Helvetica Neue" panose="02000503000000020004" pitchFamily="2" charset="0"/>
-              </a:rPr>
-              <a:t>/</a:t>
-            </a:r>
-            <a:r>
-              <a:rPr lang="ko-KR" altLang="en-US" b="1" dirty="0">
-                <a:solidFill>
-                  <a:srgbClr val="000000"/>
-                </a:solidFill>
-                <a:latin typeface="Helvetica Neue" panose="02000503000000020004" pitchFamily="2" charset="0"/>
-              </a:rPr>
-              <a:t>중동</a:t>
-            </a:r>
-            <a:r>
-              <a:rPr lang="en-US" altLang="ko-KR" b="1" dirty="0">
-                <a:solidFill>
-                  <a:srgbClr val="000000"/>
-                </a:solidFill>
-                <a:latin typeface="Helvetica Neue" panose="02000503000000020004" pitchFamily="2" charset="0"/>
-              </a:rPr>
-              <a:t>/</a:t>
-            </a:r>
-            <a:r>
-              <a:rPr lang="ko-KR" altLang="en-US" b="1" dirty="0">
-                <a:solidFill>
-                  <a:srgbClr val="000000"/>
-                </a:solidFill>
-                <a:latin typeface="Helvetica Neue" panose="02000503000000020004" pitchFamily="2" charset="0"/>
-              </a:rPr>
-              <a:t>아프리카의 콘텐츠 수급 및 제작에 더 중점</a:t>
-            </a:r>
-            <a:r>
-              <a:rPr lang="ko-KR" altLang="en-US" dirty="0">
-                <a:solidFill>
-                  <a:srgbClr val="000000"/>
-                </a:solidFill>
-                <a:latin typeface="Helvetica Neue" panose="02000503000000020004" pitchFamily="2" charset="0"/>
-              </a:rPr>
-              <a:t>을 두고 있다</a:t>
-            </a:r>
-            <a:r>
-              <a:rPr lang="en-US" altLang="ko-KR" dirty="0">
-                <a:solidFill>
-                  <a:srgbClr val="000000"/>
-                </a:solidFill>
-                <a:latin typeface="Helvetica Neue" panose="02000503000000020004" pitchFamily="2" charset="0"/>
-              </a:rPr>
-              <a:t>.</a:t>
-            </a:r>
-            <a:br>
-              <a:rPr lang="en-US" altLang="ko-KR" dirty="0">
-                <a:solidFill>
-                  <a:srgbClr val="000000"/>
-                </a:solidFill>
-                <a:latin typeface="Helvetica Neue" panose="02000503000000020004" pitchFamily="2" charset="0"/>
-              </a:rPr>
-            </a:br>
-            <a:endParaRPr lang="en-US" altLang="ko-KR" dirty="0">
-              <a:solidFill>
-                <a:srgbClr val="000000"/>
-              </a:solidFill>
-              <a:latin typeface="Helvetica Neue" panose="02000503000000020004" pitchFamily="2" charset="0"/>
-            </a:endParaRPr>
-          </a:p>
-          <a:p>
-            <a:pPr>
-              <a:buFont typeface="+mj-lt"/>
-              <a:buAutoNum type="arabicPeriod"/>
-            </a:pPr>
-            <a:r>
-              <a:rPr lang="ko-KR" altLang="en-US" dirty="0" err="1">
-                <a:solidFill>
-                  <a:srgbClr val="000000"/>
-                </a:solidFill>
-                <a:latin typeface="Helvetica Neue" panose="02000503000000020004" pitchFamily="2" charset="0"/>
-              </a:rPr>
-              <a:t>넷플릭스는</a:t>
-            </a:r>
-            <a:r>
-              <a:rPr lang="ko-KR" altLang="en-US" dirty="0">
-                <a:solidFill>
-                  <a:srgbClr val="000000"/>
-                </a:solidFill>
-                <a:latin typeface="Helvetica Neue" panose="02000503000000020004" pitchFamily="2" charset="0"/>
-              </a:rPr>
-              <a:t> </a:t>
-            </a:r>
-            <a:r>
-              <a:rPr lang="ko-KR" altLang="en-US" b="1" dirty="0">
-                <a:solidFill>
-                  <a:srgbClr val="000000"/>
-                </a:solidFill>
-                <a:latin typeface="Helvetica Neue" panose="02000503000000020004" pitchFamily="2" charset="0"/>
-              </a:rPr>
-              <a:t>라틴아메리카보다 아시아 콘텐츠에 더 중점</a:t>
-            </a:r>
-            <a:r>
-              <a:rPr lang="ko-KR" altLang="en-US" dirty="0">
-                <a:solidFill>
-                  <a:srgbClr val="000000"/>
-                </a:solidFill>
-                <a:latin typeface="Helvetica Neue" panose="02000503000000020004" pitchFamily="2" charset="0"/>
-              </a:rPr>
-              <a:t>을 두고 있다</a:t>
-            </a:r>
-            <a:r>
-              <a:rPr lang="en-US" altLang="ko-KR" dirty="0">
-                <a:solidFill>
-                  <a:srgbClr val="000000"/>
-                </a:solidFill>
-                <a:latin typeface="Helvetica Neue" panose="02000503000000020004" pitchFamily="2" charset="0"/>
-              </a:rPr>
-              <a:t>.</a:t>
-            </a:r>
-            <a:endParaRPr lang="en-US" altLang="ko-KR" b="0" i="0" dirty="0">
-              <a:solidFill>
-                <a:srgbClr val="000000"/>
-              </a:solidFill>
-              <a:effectLst/>
-              <a:latin typeface="Helvetica Neue" panose="02000503000000020004" pitchFamily="2" charset="0"/>
             </a:endParaRPr>
           </a:p>
         </p:txBody>
@@ -8871,7 +8549,7 @@
     </p:spTree>
     <p:extLst>
       <p:ext uri="{BB962C8B-B14F-4D97-AF65-F5344CB8AC3E}">
-        <p14:creationId xmlns:p14="http://schemas.microsoft.com/office/powerpoint/2010/main" val="89046340"/>
+        <p14:creationId xmlns:p14="http://schemas.microsoft.com/office/powerpoint/2010/main" val="3723289340"/>
       </p:ext>
     </p:extLst>
   </p:cSld>
@@ -9308,6 +8986,646 @@
           <a:chExt cx="0" cy="0"/>
         </a:xfrm>
       </p:grpSpPr>
+      <p:sp>
+        <p:nvSpPr>
+          <p:cNvPr id="2" name="직사각형 1">
+            <a:extLst>
+              <a:ext uri="{FF2B5EF4-FFF2-40B4-BE49-F238E27FC236}">
+                <a16:creationId xmlns:a16="http://schemas.microsoft.com/office/drawing/2014/main" id="{1C6E2768-933E-AB4D-B6CF-BA2891D8F831}"/>
+              </a:ext>
+            </a:extLst>
+          </p:cNvPr>
+          <p:cNvSpPr/>
+          <p:nvPr/>
+        </p:nvSpPr>
+        <p:spPr>
+          <a:xfrm>
+            <a:off x="320565" y="321729"/>
+            <a:ext cx="11550869" cy="1077218"/>
+          </a:xfrm>
+          <a:prstGeom prst="rect">
+            <a:avLst/>
+          </a:prstGeom>
+        </p:spPr>
+        <p:txBody>
+          <a:bodyPr wrap="square">
+            <a:spAutoFit/>
+          </a:bodyPr>
+          <a:lstStyle/>
+          <a:p>
+            <a:r>
+              <a:rPr lang="en-US" altLang="ko-KR" sz="3200" b="1" dirty="0"/>
+              <a:t>3.</a:t>
+            </a:r>
+            <a:r>
+              <a:rPr lang="ko-KR" altLang="en-US" sz="3200" b="1" dirty="0"/>
+              <a:t> 결론</a:t>
+            </a:r>
+          </a:p>
+          <a:p>
+            <a:pPr lvl="1"/>
+            <a:r>
+              <a:rPr lang="en-US" altLang="ko-KR" sz="3200" b="1" dirty="0"/>
+              <a:t>3-1. </a:t>
+            </a:r>
+            <a:r>
+              <a:rPr lang="ko-KR" altLang="en-US" sz="3200" b="1" dirty="0" err="1"/>
+              <a:t>넷플릭스의</a:t>
+            </a:r>
+            <a:r>
+              <a:rPr lang="ko-KR" altLang="en-US" sz="3200" b="1" dirty="0"/>
+              <a:t> 전략</a:t>
+            </a:r>
+          </a:p>
+        </p:txBody>
+      </p:sp>
+      <p:sp>
+        <p:nvSpPr>
+          <p:cNvPr id="3" name="직사각형 2">
+            <a:extLst>
+              <a:ext uri="{FF2B5EF4-FFF2-40B4-BE49-F238E27FC236}">
+                <a16:creationId xmlns:a16="http://schemas.microsoft.com/office/drawing/2014/main" id="{8789D8E2-F7DF-4749-AC61-46DC9374AED0}"/>
+              </a:ext>
+            </a:extLst>
+          </p:cNvPr>
+          <p:cNvSpPr/>
+          <p:nvPr/>
+        </p:nvSpPr>
+        <p:spPr>
+          <a:xfrm>
+            <a:off x="834227" y="1929861"/>
+            <a:ext cx="11037207" cy="3693319"/>
+          </a:xfrm>
+          <a:prstGeom prst="rect">
+            <a:avLst/>
+          </a:prstGeom>
+        </p:spPr>
+        <p:txBody>
+          <a:bodyPr wrap="square">
+            <a:spAutoFit/>
+          </a:bodyPr>
+          <a:lstStyle/>
+          <a:p>
+            <a:pPr>
+              <a:buFont typeface="+mj-lt"/>
+              <a:buAutoNum type="arabicPeriod"/>
+            </a:pPr>
+            <a:r>
+              <a:rPr lang="ko-KR" altLang="en-US" dirty="0" err="1">
+                <a:solidFill>
+                  <a:srgbClr val="000000"/>
+                </a:solidFill>
+                <a:latin typeface="Helvetica Neue" panose="02000503000000020004" pitchFamily="2" charset="0"/>
+              </a:rPr>
+              <a:t>넷플릭스의</a:t>
+            </a:r>
+            <a:r>
+              <a:rPr lang="ko-KR" altLang="en-US" dirty="0">
+                <a:solidFill>
+                  <a:srgbClr val="000000"/>
+                </a:solidFill>
+                <a:latin typeface="Helvetica Neue" panose="02000503000000020004" pitchFamily="2" charset="0"/>
+              </a:rPr>
+              <a:t> 주요 고객은 </a:t>
+            </a:r>
+            <a:r>
+              <a:rPr lang="ko-KR" altLang="en-US" b="1" dirty="0">
+                <a:solidFill>
+                  <a:srgbClr val="000000"/>
+                </a:solidFill>
+                <a:latin typeface="Helvetica Neue" panose="02000503000000020004" pitchFamily="2" charset="0"/>
+              </a:rPr>
+              <a:t>성인</a:t>
+            </a:r>
+            <a:r>
+              <a:rPr lang="ko-KR" altLang="en-US" dirty="0">
+                <a:solidFill>
+                  <a:srgbClr val="000000"/>
+                </a:solidFill>
+                <a:latin typeface="Helvetica Neue" panose="02000503000000020004" pitchFamily="2" charset="0"/>
+              </a:rPr>
+              <a:t>이다</a:t>
+            </a:r>
+            <a:r>
+              <a:rPr lang="en-US" altLang="ko-KR" dirty="0">
+                <a:solidFill>
+                  <a:srgbClr val="000000"/>
+                </a:solidFill>
+                <a:latin typeface="Helvetica Neue" panose="02000503000000020004" pitchFamily="2" charset="0"/>
+              </a:rPr>
+              <a:t>.</a:t>
+            </a:r>
+            <a:br>
+              <a:rPr lang="en-US" altLang="ko-KR" dirty="0">
+                <a:solidFill>
+                  <a:srgbClr val="000000"/>
+                </a:solidFill>
+                <a:latin typeface="Helvetica Neue" panose="02000503000000020004" pitchFamily="2" charset="0"/>
+              </a:rPr>
+            </a:br>
+            <a:endParaRPr lang="en-US" altLang="ko-KR" dirty="0">
+              <a:solidFill>
+                <a:srgbClr val="000000"/>
+              </a:solidFill>
+              <a:latin typeface="Helvetica Neue" panose="02000503000000020004" pitchFamily="2" charset="0"/>
+            </a:endParaRPr>
+          </a:p>
+          <a:p>
+            <a:pPr>
+              <a:buFont typeface="+mj-lt"/>
+              <a:buAutoNum type="arabicPeriod"/>
+            </a:pPr>
+            <a:r>
+              <a:rPr lang="ko-KR" altLang="en-US" dirty="0">
+                <a:solidFill>
+                  <a:srgbClr val="000000"/>
+                </a:solidFill>
+                <a:latin typeface="Helvetica Neue" panose="02000503000000020004" pitchFamily="2" charset="0"/>
+              </a:rPr>
+              <a:t>장르는 </a:t>
+            </a:r>
+            <a:r>
+              <a:rPr lang="en-US" altLang="ko-Kore-KR" dirty="0">
+                <a:solidFill>
+                  <a:srgbClr val="000000"/>
+                </a:solidFill>
+                <a:latin typeface="Helvetica Neue" panose="02000503000000020004" pitchFamily="2" charset="0"/>
+              </a:rPr>
+              <a:t>International Movies, Dramas, Comedies</a:t>
+            </a:r>
+            <a:r>
+              <a:rPr lang="ko-KR" altLang="en-US" dirty="0">
+                <a:solidFill>
+                  <a:srgbClr val="000000"/>
+                </a:solidFill>
+                <a:latin typeface="Helvetica Neue" panose="02000503000000020004" pitchFamily="2" charset="0"/>
+              </a:rPr>
+              <a:t>가 많아 </a:t>
+            </a:r>
+            <a:r>
+              <a:rPr lang="ko-KR" altLang="en-US" b="1" dirty="0">
+                <a:solidFill>
+                  <a:srgbClr val="000000"/>
+                </a:solidFill>
+                <a:latin typeface="Helvetica Neue" panose="02000503000000020004" pitchFamily="2" charset="0"/>
+              </a:rPr>
+              <a:t>재미를 위한 장르</a:t>
+            </a:r>
+            <a:r>
+              <a:rPr lang="ko-KR" altLang="en-US" dirty="0">
+                <a:solidFill>
+                  <a:srgbClr val="000000"/>
+                </a:solidFill>
+                <a:latin typeface="Helvetica Neue" panose="02000503000000020004" pitchFamily="2" charset="0"/>
+              </a:rPr>
+              <a:t>를 주로 수급 및 제작하고 있다</a:t>
+            </a:r>
+            <a:r>
+              <a:rPr lang="en-US" altLang="ko-KR" dirty="0">
+                <a:solidFill>
+                  <a:srgbClr val="000000"/>
+                </a:solidFill>
+                <a:latin typeface="Helvetica Neue" panose="02000503000000020004" pitchFamily="2" charset="0"/>
+              </a:rPr>
+              <a:t>.</a:t>
+            </a:r>
+            <a:br>
+              <a:rPr lang="en-US" altLang="ko-KR" dirty="0">
+                <a:solidFill>
+                  <a:srgbClr val="000000"/>
+                </a:solidFill>
+                <a:latin typeface="Helvetica Neue" panose="02000503000000020004" pitchFamily="2" charset="0"/>
+              </a:rPr>
+            </a:br>
+            <a:endParaRPr lang="en-US" altLang="ko-KR" dirty="0">
+              <a:solidFill>
+                <a:srgbClr val="000000"/>
+              </a:solidFill>
+              <a:latin typeface="Helvetica Neue" panose="02000503000000020004" pitchFamily="2" charset="0"/>
+            </a:endParaRPr>
+          </a:p>
+          <a:p>
+            <a:pPr>
+              <a:buFont typeface="+mj-lt"/>
+              <a:buAutoNum type="arabicPeriod"/>
+            </a:pPr>
+            <a:r>
+              <a:rPr lang="ko-KR" altLang="en-US" dirty="0" err="1">
+                <a:solidFill>
+                  <a:srgbClr val="000000"/>
+                </a:solidFill>
+                <a:latin typeface="Helvetica Neue" panose="02000503000000020004" pitchFamily="2" charset="0"/>
+              </a:rPr>
+              <a:t>넷플릭스는</a:t>
+            </a:r>
+            <a:r>
+              <a:rPr lang="ko-KR" altLang="en-US" dirty="0">
+                <a:solidFill>
+                  <a:srgbClr val="000000"/>
+                </a:solidFill>
+                <a:latin typeface="Helvetica Neue" panose="02000503000000020004" pitchFamily="2" charset="0"/>
+              </a:rPr>
+              <a:t> </a:t>
+            </a:r>
+            <a:r>
+              <a:rPr lang="ko-KR" altLang="en-US" b="1" dirty="0">
+                <a:solidFill>
+                  <a:srgbClr val="000000"/>
+                </a:solidFill>
+                <a:latin typeface="Helvetica Neue" panose="02000503000000020004" pitchFamily="2" charset="0"/>
+              </a:rPr>
+              <a:t>오리지널이 아닌 콘텐츠</a:t>
+            </a:r>
+            <a:r>
+              <a:rPr lang="ko-KR" altLang="en-US" dirty="0">
+                <a:solidFill>
+                  <a:srgbClr val="000000"/>
+                </a:solidFill>
+                <a:latin typeface="Helvetica Neue" panose="02000503000000020004" pitchFamily="2" charset="0"/>
+              </a:rPr>
+              <a:t> 수급에 더 중점을 두고 있음을 알 수 있다</a:t>
+            </a:r>
+            <a:r>
+              <a:rPr lang="en-US" altLang="ko-KR" dirty="0">
+                <a:solidFill>
+                  <a:srgbClr val="000000"/>
+                </a:solidFill>
+                <a:latin typeface="Helvetica Neue" panose="02000503000000020004" pitchFamily="2" charset="0"/>
+              </a:rPr>
+              <a:t>.</a:t>
+            </a:r>
+            <a:br>
+              <a:rPr lang="en-US" altLang="ko-KR" dirty="0">
+                <a:solidFill>
+                  <a:srgbClr val="000000"/>
+                </a:solidFill>
+                <a:latin typeface="Helvetica Neue" panose="02000503000000020004" pitchFamily="2" charset="0"/>
+              </a:rPr>
+            </a:br>
+            <a:endParaRPr lang="en-US" altLang="ko-KR" dirty="0">
+              <a:solidFill>
+                <a:srgbClr val="000000"/>
+              </a:solidFill>
+              <a:latin typeface="Helvetica Neue" panose="02000503000000020004" pitchFamily="2" charset="0"/>
+            </a:endParaRPr>
+          </a:p>
+          <a:p>
+            <a:pPr>
+              <a:buFont typeface="+mj-lt"/>
+              <a:buAutoNum type="arabicPeriod"/>
+            </a:pPr>
+            <a:r>
+              <a:rPr lang="ko-KR" altLang="en-US" dirty="0" err="1">
+                <a:solidFill>
+                  <a:srgbClr val="000000"/>
+                </a:solidFill>
+                <a:latin typeface="Helvetica Neue" panose="02000503000000020004" pitchFamily="2" charset="0"/>
+              </a:rPr>
+              <a:t>넷플릭스</a:t>
+            </a:r>
+            <a:r>
+              <a:rPr lang="ko-KR" altLang="en-US" dirty="0">
+                <a:solidFill>
+                  <a:srgbClr val="000000"/>
+                </a:solidFill>
+                <a:latin typeface="Helvetica Neue" panose="02000503000000020004" pitchFamily="2" charset="0"/>
+              </a:rPr>
+              <a:t> 오리지널은 주로 </a:t>
+            </a:r>
+            <a:r>
+              <a:rPr lang="ko-KR" altLang="en-US" b="1" dirty="0">
+                <a:solidFill>
+                  <a:srgbClr val="000000"/>
+                </a:solidFill>
+                <a:latin typeface="Helvetica Neue" panose="02000503000000020004" pitchFamily="2" charset="0"/>
+              </a:rPr>
+              <a:t>미국 및 캐나다</a:t>
+            </a:r>
+            <a:r>
+              <a:rPr lang="ko-KR" altLang="en-US" dirty="0">
+                <a:solidFill>
+                  <a:srgbClr val="000000"/>
+                </a:solidFill>
+                <a:latin typeface="Helvetica Neue" panose="02000503000000020004" pitchFamily="2" charset="0"/>
+              </a:rPr>
+              <a:t>가 제작하고 있다</a:t>
+            </a:r>
+            <a:r>
+              <a:rPr lang="en-US" altLang="ko-KR" dirty="0">
+                <a:solidFill>
+                  <a:srgbClr val="000000"/>
+                </a:solidFill>
+                <a:latin typeface="Helvetica Neue" panose="02000503000000020004" pitchFamily="2" charset="0"/>
+              </a:rPr>
+              <a:t>.</a:t>
+            </a:r>
+            <a:br>
+              <a:rPr lang="en-US" altLang="ko-KR" dirty="0">
+                <a:solidFill>
+                  <a:srgbClr val="000000"/>
+                </a:solidFill>
+                <a:latin typeface="Helvetica Neue" panose="02000503000000020004" pitchFamily="2" charset="0"/>
+              </a:rPr>
+            </a:br>
+            <a:endParaRPr lang="en-US" altLang="ko-KR" dirty="0">
+              <a:solidFill>
+                <a:srgbClr val="000000"/>
+              </a:solidFill>
+              <a:latin typeface="Helvetica Neue" panose="02000503000000020004" pitchFamily="2" charset="0"/>
+            </a:endParaRPr>
+          </a:p>
+          <a:p>
+            <a:pPr>
+              <a:buFont typeface="+mj-lt"/>
+              <a:buAutoNum type="arabicPeriod"/>
+            </a:pPr>
+            <a:r>
+              <a:rPr lang="ko-KR" altLang="en-US" dirty="0" err="1">
+                <a:solidFill>
+                  <a:srgbClr val="000000"/>
+                </a:solidFill>
+                <a:latin typeface="Helvetica Neue" panose="02000503000000020004" pitchFamily="2" charset="0"/>
+              </a:rPr>
+              <a:t>넷플릭스의</a:t>
+            </a:r>
+            <a:r>
+              <a:rPr lang="ko-KR" altLang="en-US" dirty="0">
+                <a:solidFill>
+                  <a:srgbClr val="000000"/>
+                </a:solidFill>
+                <a:latin typeface="Helvetica Neue" panose="02000503000000020004" pitchFamily="2" charset="0"/>
+              </a:rPr>
+              <a:t> </a:t>
+            </a:r>
+            <a:r>
+              <a:rPr lang="ko-KR" altLang="en-US" b="1" dirty="0">
+                <a:solidFill>
+                  <a:srgbClr val="000000"/>
+                </a:solidFill>
+                <a:latin typeface="Helvetica Neue" panose="02000503000000020004" pitchFamily="2" charset="0"/>
+              </a:rPr>
+              <a:t>구독자 수와 수익은 양의 상관관계</a:t>
+            </a:r>
+            <a:r>
+              <a:rPr lang="ko-KR" altLang="en-US" dirty="0">
+                <a:solidFill>
+                  <a:srgbClr val="000000"/>
+                </a:solidFill>
+                <a:latin typeface="Helvetica Neue" panose="02000503000000020004" pitchFamily="2" charset="0"/>
+              </a:rPr>
+              <a:t>를 갖고 있다</a:t>
+            </a:r>
+            <a:r>
+              <a:rPr lang="en-US" altLang="ko-KR" dirty="0">
+                <a:solidFill>
+                  <a:srgbClr val="000000"/>
+                </a:solidFill>
+                <a:latin typeface="Helvetica Neue" panose="02000503000000020004" pitchFamily="2" charset="0"/>
+              </a:rPr>
+              <a:t>.</a:t>
+            </a:r>
+            <a:br>
+              <a:rPr lang="en-US" altLang="ko-KR" dirty="0">
+                <a:solidFill>
+                  <a:srgbClr val="000000"/>
+                </a:solidFill>
+                <a:latin typeface="Helvetica Neue" panose="02000503000000020004" pitchFamily="2" charset="0"/>
+              </a:rPr>
+            </a:br>
+            <a:endParaRPr lang="en-US" altLang="ko-KR" dirty="0">
+              <a:solidFill>
+                <a:srgbClr val="000000"/>
+              </a:solidFill>
+              <a:latin typeface="Helvetica Neue" panose="02000503000000020004" pitchFamily="2" charset="0"/>
+            </a:endParaRPr>
+          </a:p>
+          <a:p>
+            <a:pPr>
+              <a:buFont typeface="+mj-lt"/>
+              <a:buAutoNum type="arabicPeriod"/>
+            </a:pPr>
+            <a:r>
+              <a:rPr lang="ko-KR" altLang="en-US" dirty="0" err="1">
+                <a:solidFill>
+                  <a:srgbClr val="000000"/>
+                </a:solidFill>
+                <a:latin typeface="Helvetica Neue" panose="02000503000000020004" pitchFamily="2" charset="0"/>
+              </a:rPr>
+              <a:t>넷플릭스는</a:t>
+            </a:r>
+            <a:r>
+              <a:rPr lang="ko-KR" altLang="en-US" dirty="0">
+                <a:solidFill>
+                  <a:srgbClr val="000000"/>
+                </a:solidFill>
+                <a:latin typeface="Helvetica Neue" panose="02000503000000020004" pitchFamily="2" charset="0"/>
+              </a:rPr>
+              <a:t> </a:t>
+            </a:r>
+            <a:r>
+              <a:rPr lang="ko-KR" altLang="en-US" b="1" dirty="0">
+                <a:solidFill>
+                  <a:srgbClr val="000000"/>
+                </a:solidFill>
+                <a:latin typeface="Helvetica Neue" panose="02000503000000020004" pitchFamily="2" charset="0"/>
+              </a:rPr>
+              <a:t>미국</a:t>
+            </a:r>
+            <a:r>
+              <a:rPr lang="en-US" altLang="ko-KR" b="1" dirty="0">
+                <a:solidFill>
+                  <a:srgbClr val="000000"/>
+                </a:solidFill>
+                <a:latin typeface="Helvetica Neue" panose="02000503000000020004" pitchFamily="2" charset="0"/>
+              </a:rPr>
+              <a:t>/</a:t>
+            </a:r>
+            <a:r>
+              <a:rPr lang="ko-KR" altLang="en-US" b="1" dirty="0">
+                <a:solidFill>
+                  <a:srgbClr val="000000"/>
+                </a:solidFill>
+                <a:latin typeface="Helvetica Neue" panose="02000503000000020004" pitchFamily="2" charset="0"/>
+              </a:rPr>
+              <a:t>캐나다</a:t>
+            </a:r>
+            <a:r>
+              <a:rPr lang="en-US" altLang="ko-KR" b="1" dirty="0">
+                <a:solidFill>
+                  <a:srgbClr val="000000"/>
+                </a:solidFill>
+                <a:latin typeface="Helvetica Neue" panose="02000503000000020004" pitchFamily="2" charset="0"/>
+              </a:rPr>
+              <a:t>, </a:t>
+            </a:r>
+            <a:r>
+              <a:rPr lang="ko-KR" altLang="en-US" b="1" dirty="0">
+                <a:solidFill>
+                  <a:srgbClr val="000000"/>
+                </a:solidFill>
+                <a:latin typeface="Helvetica Neue" panose="02000503000000020004" pitchFamily="2" charset="0"/>
+              </a:rPr>
+              <a:t>유럽</a:t>
+            </a:r>
+            <a:r>
+              <a:rPr lang="en-US" altLang="ko-KR" b="1" dirty="0">
+                <a:solidFill>
+                  <a:srgbClr val="000000"/>
+                </a:solidFill>
+                <a:latin typeface="Helvetica Neue" panose="02000503000000020004" pitchFamily="2" charset="0"/>
+              </a:rPr>
+              <a:t>/</a:t>
+            </a:r>
+            <a:r>
+              <a:rPr lang="ko-KR" altLang="en-US" b="1" dirty="0">
+                <a:solidFill>
+                  <a:srgbClr val="000000"/>
+                </a:solidFill>
+                <a:latin typeface="Helvetica Neue" panose="02000503000000020004" pitchFamily="2" charset="0"/>
+              </a:rPr>
+              <a:t>중동</a:t>
+            </a:r>
+            <a:r>
+              <a:rPr lang="en-US" altLang="ko-KR" b="1" dirty="0">
+                <a:solidFill>
+                  <a:srgbClr val="000000"/>
+                </a:solidFill>
+                <a:latin typeface="Helvetica Neue" panose="02000503000000020004" pitchFamily="2" charset="0"/>
+              </a:rPr>
+              <a:t>/</a:t>
+            </a:r>
+            <a:r>
+              <a:rPr lang="ko-KR" altLang="en-US" b="1" dirty="0">
+                <a:solidFill>
+                  <a:srgbClr val="000000"/>
+                </a:solidFill>
+                <a:latin typeface="Helvetica Neue" panose="02000503000000020004" pitchFamily="2" charset="0"/>
+              </a:rPr>
+              <a:t>아프리카의 콘텐츠 수급 및 제작에 더 중점</a:t>
+            </a:r>
+            <a:r>
+              <a:rPr lang="ko-KR" altLang="en-US" dirty="0">
+                <a:solidFill>
+                  <a:srgbClr val="000000"/>
+                </a:solidFill>
+                <a:latin typeface="Helvetica Neue" panose="02000503000000020004" pitchFamily="2" charset="0"/>
+              </a:rPr>
+              <a:t>을 두고 있다</a:t>
+            </a:r>
+            <a:r>
+              <a:rPr lang="en-US" altLang="ko-KR" dirty="0">
+                <a:solidFill>
+                  <a:srgbClr val="000000"/>
+                </a:solidFill>
+                <a:latin typeface="Helvetica Neue" panose="02000503000000020004" pitchFamily="2" charset="0"/>
+              </a:rPr>
+              <a:t>.</a:t>
+            </a:r>
+            <a:br>
+              <a:rPr lang="en-US" altLang="ko-KR" dirty="0">
+                <a:solidFill>
+                  <a:srgbClr val="000000"/>
+                </a:solidFill>
+                <a:latin typeface="Helvetica Neue" panose="02000503000000020004" pitchFamily="2" charset="0"/>
+              </a:rPr>
+            </a:br>
+            <a:endParaRPr lang="en-US" altLang="ko-KR" dirty="0">
+              <a:solidFill>
+                <a:srgbClr val="000000"/>
+              </a:solidFill>
+              <a:latin typeface="Helvetica Neue" panose="02000503000000020004" pitchFamily="2" charset="0"/>
+            </a:endParaRPr>
+          </a:p>
+          <a:p>
+            <a:pPr>
+              <a:buFont typeface="+mj-lt"/>
+              <a:buAutoNum type="arabicPeriod"/>
+            </a:pPr>
+            <a:r>
+              <a:rPr lang="ko-KR" altLang="en-US" dirty="0" err="1">
+                <a:solidFill>
+                  <a:srgbClr val="000000"/>
+                </a:solidFill>
+                <a:latin typeface="Helvetica Neue" panose="02000503000000020004" pitchFamily="2" charset="0"/>
+              </a:rPr>
+              <a:t>넷플릭스는</a:t>
+            </a:r>
+            <a:r>
+              <a:rPr lang="ko-KR" altLang="en-US" dirty="0">
+                <a:solidFill>
+                  <a:srgbClr val="000000"/>
+                </a:solidFill>
+                <a:latin typeface="Helvetica Neue" panose="02000503000000020004" pitchFamily="2" charset="0"/>
+              </a:rPr>
+              <a:t> </a:t>
+            </a:r>
+            <a:r>
+              <a:rPr lang="ko-KR" altLang="en-US" b="1" dirty="0">
+                <a:solidFill>
+                  <a:srgbClr val="000000"/>
+                </a:solidFill>
+                <a:latin typeface="Helvetica Neue" panose="02000503000000020004" pitchFamily="2" charset="0"/>
+              </a:rPr>
+              <a:t>라틴아메리카보다 아시아 콘텐츠에 더 중점</a:t>
+            </a:r>
+            <a:r>
+              <a:rPr lang="ko-KR" altLang="en-US" dirty="0">
+                <a:solidFill>
+                  <a:srgbClr val="000000"/>
+                </a:solidFill>
+                <a:latin typeface="Helvetica Neue" panose="02000503000000020004" pitchFamily="2" charset="0"/>
+              </a:rPr>
+              <a:t>을 두고 있다</a:t>
+            </a:r>
+            <a:r>
+              <a:rPr lang="en-US" altLang="ko-KR" dirty="0">
+                <a:solidFill>
+                  <a:srgbClr val="000000"/>
+                </a:solidFill>
+                <a:latin typeface="Helvetica Neue" panose="02000503000000020004" pitchFamily="2" charset="0"/>
+              </a:rPr>
+              <a:t>.</a:t>
+            </a:r>
+            <a:endParaRPr lang="en-US" altLang="ko-KR" b="0" i="0" dirty="0">
+              <a:solidFill>
+                <a:srgbClr val="000000"/>
+              </a:solidFill>
+              <a:effectLst/>
+              <a:latin typeface="Helvetica Neue" panose="02000503000000020004" pitchFamily="2" charset="0"/>
+            </a:endParaRPr>
+          </a:p>
+        </p:txBody>
+      </p:sp>
+    </p:spTree>
+    <p:extLst>
+      <p:ext uri="{BB962C8B-B14F-4D97-AF65-F5344CB8AC3E}">
+        <p14:creationId xmlns:p14="http://schemas.microsoft.com/office/powerpoint/2010/main" val="89046340"/>
+      </p:ext>
+    </p:extLst>
+  </p:cSld>
+  <p:clrMapOvr>
+    <a:masterClrMapping/>
+  </p:clrMapOvr>
+</p:sld>
+</file>
+
+<file path=ppt/slides/slide21.xml><?xml version="1.0" encoding="utf-8"?>
+<p:sld xmlns:a="http://schemas.openxmlformats.org/drawingml/2006/main" xmlns:r="http://schemas.openxmlformats.org/officeDocument/2006/relationships" xmlns:p="http://schemas.openxmlformats.org/presentationml/2006/main">
+  <p:cSld>
+    <p:spTree>
+      <p:nvGrpSpPr>
+        <p:cNvPr id="1" name=""/>
+        <p:cNvGrpSpPr/>
+        <p:nvPr/>
+      </p:nvGrpSpPr>
+      <p:grpSpPr>
+        <a:xfrm>
+          <a:off x="0" y="0"/>
+          <a:ext cx="0" cy="0"/>
+          <a:chOff x="0" y="0"/>
+          <a:chExt cx="0" cy="0"/>
+        </a:xfrm>
+      </p:grpSpPr>
       <p:pic>
         <p:nvPicPr>
           <p:cNvPr id="5" name="그림 2" descr="텍스트이(가) 표시된 사진&#10;&#10;자동 생성된 설명">
@@ -9737,356 +10055,7 @@
 </p:sld>
 </file>
 
-<file path=ppt/slides/slide21.xml><?xml version="1.0" encoding="utf-8"?>
-<p:sld xmlns:a="http://schemas.openxmlformats.org/drawingml/2006/main" xmlns:r="http://schemas.openxmlformats.org/officeDocument/2006/relationships" xmlns:p="http://schemas.openxmlformats.org/presentationml/2006/main">
-  <p:cSld>
-    <p:spTree>
-      <p:nvGrpSpPr>
-        <p:cNvPr id="1" name=""/>
-        <p:cNvGrpSpPr/>
-        <p:nvPr/>
-      </p:nvGrpSpPr>
-      <p:grpSpPr>
-        <a:xfrm>
-          <a:off x="0" y="0"/>
-          <a:ext cx="0" cy="0"/>
-          <a:chOff x="0" y="0"/>
-          <a:chExt cx="0" cy="0"/>
-        </a:xfrm>
-      </p:grpSpPr>
-      <p:pic>
-        <p:nvPicPr>
-          <p:cNvPr id="2" name="그림 2">
-            <a:extLst>
-              <a:ext uri="{FF2B5EF4-FFF2-40B4-BE49-F238E27FC236}">
-                <a16:creationId xmlns:a16="http://schemas.microsoft.com/office/drawing/2014/main" id="{3E2AFEFD-F5FE-43BF-B23D-E32E79F9D432}"/>
-              </a:ext>
-            </a:extLst>
-          </p:cNvPr>
-          <p:cNvPicPr>
-            <a:picLocks noChangeAspect="1"/>
-          </p:cNvPicPr>
-          <p:nvPr/>
-        </p:nvPicPr>
-        <p:blipFill rotWithShape="1">
-          <a:blip r:embed="rId2"/>
-          <a:srcRect t="17420" b="7843"/>
-          <a:stretch/>
-        </p:blipFill>
-        <p:spPr>
-          <a:xfrm>
-            <a:off x="20" y="1282"/>
-            <a:ext cx="12191980" cy="6856718"/>
-          </a:xfrm>
-          <a:prstGeom prst="rect">
-            <a:avLst/>
-          </a:prstGeom>
-        </p:spPr>
-      </p:pic>
-      <p:sp>
-        <p:nvSpPr>
-          <p:cNvPr id="3" name="TextBox 2">
-            <a:extLst>
-              <a:ext uri="{FF2B5EF4-FFF2-40B4-BE49-F238E27FC236}">
-                <a16:creationId xmlns:a16="http://schemas.microsoft.com/office/drawing/2014/main" id="{9E1193A1-C499-4DB0-9128-D7606CB1304B}"/>
-              </a:ext>
-            </a:extLst>
-          </p:cNvPr>
-          <p:cNvSpPr txBox="1"/>
-          <p:nvPr/>
-        </p:nvSpPr>
-        <p:spPr>
-          <a:xfrm>
-            <a:off x="9053945" y="695036"/>
-            <a:ext cx="2743200" cy="1477328"/>
-          </a:xfrm>
-          <a:prstGeom prst="rect">
-            <a:avLst/>
-          </a:prstGeom>
-          <a:noFill/>
-        </p:spPr>
-        <p:txBody>
-          <a:bodyPr rot="0" spcFirstLastPara="0" vertOverflow="overflow" horzOverflow="overflow" vert="horz" wrap="square" lIns="91440" tIns="45720" rIns="91440" bIns="45720" numCol="1" spcCol="0" rtlCol="0" fromWordArt="0" anchor="t" anchorCtr="0" forceAA="0" compatLnSpc="1">
-            <a:prstTxWarp prst="textNoShape">
-              <a:avLst/>
-            </a:prstTxWarp>
-            <a:spAutoFit/>
-          </a:bodyPr>
-          <a:lstStyle/>
-          <a:p>
-            <a:r>
-              <a:rPr lang="ko-KR" altLang="en-US" b="1" dirty="0">
-                <a:ea typeface="맑은 고딕"/>
-              </a:rPr>
-              <a:t>데이터 시각화 해봤더니 의미는 없는데 그래도 발표는 꼭 </a:t>
-            </a:r>
-            <a:r>
-              <a:rPr lang="ko-KR" altLang="en-US" b="1" dirty="0" err="1">
-                <a:ea typeface="맑은 고딕"/>
-              </a:rPr>
-              <a:t>해야할</a:t>
-            </a:r>
-            <a:r>
-              <a:rPr lang="ko-KR" altLang="en-US" b="1" dirty="0">
-                <a:ea typeface="맑은 고딕"/>
-              </a:rPr>
-              <a:t> 부분에 이거 써주세요 </a:t>
-            </a:r>
-          </a:p>
-          <a:p>
-            <a:r>
-              <a:rPr lang="ko-KR" altLang="en-US" b="1" dirty="0">
-                <a:ea typeface="맑은 고딕"/>
-                <a:cs typeface="Calibri"/>
-              </a:rPr>
-              <a:t>악당한테 빔 맞음 </a:t>
-            </a:r>
-            <a:r>
-              <a:rPr lang="ko-KR" altLang="en-US" b="1" dirty="0" err="1">
-                <a:ea typeface="맑은 고딕"/>
-                <a:cs typeface="Calibri"/>
-              </a:rPr>
-              <a:t>ㅠ</a:t>
-            </a:r>
-          </a:p>
-        </p:txBody>
-      </p:sp>
-    </p:spTree>
-    <p:extLst>
-      <p:ext uri="{BB962C8B-B14F-4D97-AF65-F5344CB8AC3E}">
-        <p14:creationId xmlns:p14="http://schemas.microsoft.com/office/powerpoint/2010/main" val="2511177247"/>
-      </p:ext>
-    </p:extLst>
-  </p:cSld>
-  <p:clrMapOvr>
-    <a:masterClrMapping/>
-  </p:clrMapOvr>
-</p:sld>
-</file>
-
 <file path=ppt/slides/slide22.xml><?xml version="1.0" encoding="utf-8"?>
-<p:sld xmlns:a="http://schemas.openxmlformats.org/drawingml/2006/main" xmlns:r="http://schemas.openxmlformats.org/officeDocument/2006/relationships" xmlns:p="http://schemas.openxmlformats.org/presentationml/2006/main">
-  <p:cSld>
-    <p:bg>
-      <p:bgPr>
-        <a:solidFill>
-          <a:schemeClr val="bg1"/>
-        </a:solidFill>
-        <a:effectLst/>
-      </p:bgPr>
-    </p:bg>
-    <p:spTree>
-      <p:nvGrpSpPr>
-        <p:cNvPr id="1" name=""/>
-        <p:cNvGrpSpPr/>
-        <p:nvPr/>
-      </p:nvGrpSpPr>
-      <p:grpSpPr>
-        <a:xfrm>
-          <a:off x="0" y="0"/>
-          <a:ext cx="0" cy="0"/>
-          <a:chOff x="0" y="0"/>
-          <a:chExt cx="0" cy="0"/>
-        </a:xfrm>
-      </p:grpSpPr>
-      <p:sp>
-        <p:nvSpPr>
-          <p:cNvPr id="9" name="Rectangle 6">
-            <a:extLst>
-              <a:ext uri="{FF2B5EF4-FFF2-40B4-BE49-F238E27FC236}">
-                <a16:creationId xmlns:a16="http://schemas.microsoft.com/office/drawing/2014/main" id="{42A4FC2C-047E-45A5-965D-8E1E3BF09BC6}"/>
-              </a:ext>
-              <a:ext uri="{C183D7F6-B498-43B3-948B-1728B52AA6E4}">
-                <adec:decorative xmlns:adec="http://schemas.microsoft.com/office/drawing/2017/decorative" val="1"/>
-              </a:ext>
-            </a:extLst>
-          </p:cNvPr>
-          <p:cNvSpPr>
-            <a:spLocks noGrp="1" noRot="1" noChangeAspect="1" noMove="1" noResize="1" noEditPoints="1" noAdjustHandles="1" noChangeArrowheads="1" noChangeShapeType="1" noTextEdit="1"/>
-          </p:cNvSpPr>
-          <p:nvPr>
-            <p:extLst>
-              <p:ext uri="{386F3935-93C4-4BCD-93E2-E3B085C9AB24}">
-                <p16:designElem xmlns:p16="http://schemas.microsoft.com/office/powerpoint/2015/main" val="1"/>
-              </p:ext>
-            </p:extLst>
-          </p:nvPr>
-        </p:nvSpPr>
-        <p:spPr bwMode="white">
-          <a:xfrm>
-            <a:off x="1524" y="0"/>
-            <a:ext cx="12188952" cy="6858000"/>
-          </a:xfrm>
-          <a:prstGeom prst="rect">
-            <a:avLst/>
-          </a:prstGeom>
-          <a:noFill/>
-          <a:ln>
-            <a:noFill/>
-          </a:ln>
-        </p:spPr>
-        <p:style>
-          <a:lnRef idx="2">
-            <a:schemeClr val="accent1">
-              <a:shade val="50000"/>
-            </a:schemeClr>
-          </a:lnRef>
-          <a:fillRef idx="1">
-            <a:schemeClr val="accent1"/>
-          </a:fillRef>
-          <a:effectRef idx="0">
-            <a:schemeClr val="accent1"/>
-          </a:effectRef>
-          <a:fontRef idx="minor">
-            <a:schemeClr val="lt1"/>
-          </a:fontRef>
-        </p:style>
-        <p:txBody>
-          <a:bodyPr rtlCol="0" anchor="ctr"/>
-          <a:lstStyle>
-            <a:defPPr>
-              <a:defRPr lang="en-US"/>
-            </a:defPPr>
-            <a:lvl1pPr marL="0" algn="l" defTabSz="914400" rtl="0" eaLnBrk="1" latinLnBrk="0" hangingPunct="1">
-              <a:defRPr sz="1800" kern="1200">
-                <a:solidFill>
-                  <a:schemeClr val="lt1"/>
-                </a:solidFill>
-                <a:latin typeface="+mn-lt"/>
-                <a:ea typeface="+mn-ea"/>
-                <a:cs typeface="+mn-cs"/>
-              </a:defRPr>
-            </a:lvl1pPr>
-            <a:lvl2pPr marL="457200" algn="l" defTabSz="914400" rtl="0" eaLnBrk="1" latinLnBrk="0" hangingPunct="1">
-              <a:defRPr sz="1800" kern="1200">
-                <a:solidFill>
-                  <a:schemeClr val="lt1"/>
-                </a:solidFill>
-                <a:latin typeface="+mn-lt"/>
-                <a:ea typeface="+mn-ea"/>
-                <a:cs typeface="+mn-cs"/>
-              </a:defRPr>
-            </a:lvl2pPr>
-            <a:lvl3pPr marL="914400" algn="l" defTabSz="914400" rtl="0" eaLnBrk="1" latinLnBrk="0" hangingPunct="1">
-              <a:defRPr sz="1800" kern="1200">
-                <a:solidFill>
-                  <a:schemeClr val="lt1"/>
-                </a:solidFill>
-                <a:latin typeface="+mn-lt"/>
-                <a:ea typeface="+mn-ea"/>
-                <a:cs typeface="+mn-cs"/>
-              </a:defRPr>
-            </a:lvl3pPr>
-            <a:lvl4pPr marL="1371600" algn="l" defTabSz="914400" rtl="0" eaLnBrk="1" latinLnBrk="0" hangingPunct="1">
-              <a:defRPr sz="1800" kern="1200">
-                <a:solidFill>
-                  <a:schemeClr val="lt1"/>
-                </a:solidFill>
-                <a:latin typeface="+mn-lt"/>
-                <a:ea typeface="+mn-ea"/>
-                <a:cs typeface="+mn-cs"/>
-              </a:defRPr>
-            </a:lvl4pPr>
-            <a:lvl5pPr marL="1828800" algn="l" defTabSz="914400" rtl="0" eaLnBrk="1" latinLnBrk="0" hangingPunct="1">
-              <a:defRPr sz="1800" kern="1200">
-                <a:solidFill>
-                  <a:schemeClr val="lt1"/>
-                </a:solidFill>
-                <a:latin typeface="+mn-lt"/>
-                <a:ea typeface="+mn-ea"/>
-                <a:cs typeface="+mn-cs"/>
-              </a:defRPr>
-            </a:lvl5pPr>
-            <a:lvl6pPr marL="2286000" algn="l" defTabSz="914400" rtl="0" eaLnBrk="1" latinLnBrk="0" hangingPunct="1">
-              <a:defRPr sz="1800" kern="1200">
-                <a:solidFill>
-                  <a:schemeClr val="lt1"/>
-                </a:solidFill>
-                <a:latin typeface="+mn-lt"/>
-                <a:ea typeface="+mn-ea"/>
-                <a:cs typeface="+mn-cs"/>
-              </a:defRPr>
-            </a:lvl6pPr>
-            <a:lvl7pPr marL="2743200" algn="l" defTabSz="914400" rtl="0" eaLnBrk="1" latinLnBrk="0" hangingPunct="1">
-              <a:defRPr sz="1800" kern="1200">
-                <a:solidFill>
-                  <a:schemeClr val="lt1"/>
-                </a:solidFill>
-                <a:latin typeface="+mn-lt"/>
-                <a:ea typeface="+mn-ea"/>
-                <a:cs typeface="+mn-cs"/>
-              </a:defRPr>
-            </a:lvl7pPr>
-            <a:lvl8pPr marL="3200400" algn="l" defTabSz="914400" rtl="0" eaLnBrk="1" latinLnBrk="0" hangingPunct="1">
-              <a:defRPr sz="1800" kern="1200">
-                <a:solidFill>
-                  <a:schemeClr val="lt1"/>
-                </a:solidFill>
-                <a:latin typeface="+mn-lt"/>
-                <a:ea typeface="+mn-ea"/>
-                <a:cs typeface="+mn-cs"/>
-              </a:defRPr>
-            </a:lvl8pPr>
-            <a:lvl9pPr marL="3657600" algn="l" defTabSz="914400" rtl="0" eaLnBrk="1" latinLnBrk="0" hangingPunct="1">
-              <a:defRPr sz="1800" kern="1200">
-                <a:solidFill>
-                  <a:schemeClr val="lt1"/>
-                </a:solidFill>
-                <a:latin typeface="+mn-lt"/>
-                <a:ea typeface="+mn-ea"/>
-                <a:cs typeface="+mn-cs"/>
-              </a:defRPr>
-            </a:lvl9pPr>
-          </a:lstStyle>
-          <a:p>
-            <a:pPr algn="ctr"/>
-            <a:endParaRPr lang="en-US"/>
-          </a:p>
-        </p:txBody>
-      </p:sp>
-      <p:pic>
-        <p:nvPicPr>
-          <p:cNvPr id="2" name="그림 2">
-            <a:extLst>
-              <a:ext uri="{FF2B5EF4-FFF2-40B4-BE49-F238E27FC236}">
-                <a16:creationId xmlns:a16="http://schemas.microsoft.com/office/drawing/2014/main" id="{E4160D38-51E8-4737-AA1E-1695E71E0F30}"/>
-              </a:ext>
-            </a:extLst>
-          </p:cNvPr>
-          <p:cNvPicPr>
-            <a:picLocks noChangeAspect="1"/>
-          </p:cNvPicPr>
-          <p:nvPr/>
-        </p:nvPicPr>
-        <p:blipFill rotWithShape="1">
-          <a:blip r:embed="rId3"/>
-          <a:srcRect t="26948" r="1" b="29326"/>
-          <a:stretch/>
-        </p:blipFill>
-        <p:spPr>
-          <a:xfrm>
-            <a:off x="20" y="1282"/>
-            <a:ext cx="12191980" cy="6856718"/>
-          </a:xfrm>
-          <a:prstGeom prst="rect">
-            <a:avLst/>
-          </a:prstGeom>
-        </p:spPr>
-      </p:pic>
-    </p:spTree>
-    <p:extLst>
-      <p:ext uri="{BB962C8B-B14F-4D97-AF65-F5344CB8AC3E}">
-        <p14:creationId xmlns:p14="http://schemas.microsoft.com/office/powerpoint/2010/main" val="3723289340"/>
-      </p:ext>
-    </p:extLst>
-  </p:cSld>
-  <p:clrMapOvr>
-    <a:masterClrMapping/>
-  </p:clrMapOvr>
-</p:sld>
-</file>
-
-<file path=ppt/slides/slide23.xml><?xml version="1.0" encoding="utf-8"?>
 <p:sld xmlns:a="http://schemas.openxmlformats.org/drawingml/2006/main" xmlns:r="http://schemas.openxmlformats.org/officeDocument/2006/relationships" xmlns:p="http://schemas.openxmlformats.org/presentationml/2006/main">
   <p:cSld>
     <p:bg>
@@ -10374,7 +10343,7 @@
 </p:sld>
 </file>
 
-<file path=ppt/slides/slide24.xml><?xml version="1.0" encoding="utf-8"?>
+<file path=ppt/slides/slide23.xml><?xml version="1.0" encoding="utf-8"?>
 <p:sld xmlns:a="http://schemas.openxmlformats.org/drawingml/2006/main" xmlns:r="http://schemas.openxmlformats.org/officeDocument/2006/relationships" xmlns:p="http://schemas.openxmlformats.org/presentationml/2006/main">
   <p:cSld>
     <p:bg>
